--- a/IOT PHASE_3 PRESENTATION.pptx
+++ b/IOT PHASE_3 PRESENTATION.pptx
@@ -276,7 +276,7 @@
           <a:p>
             <a:fld id="{1D8BD707-D9CF-40AE-B4C6-C98DA3205C09}" type="datetimeFigureOut">
               <a:rPr lang="en-US"/>
-              <a:t>10/16/2023</a:t>
+              <a:t>10/25/2023</a:t>
             </a:fld>
             <a:endParaRPr lang="en-US"/>
           </a:p>
@@ -453,7 +453,7 @@
           <a:p>
             <a:fld id="{1D8BD707-D9CF-40AE-B4C6-C98DA3205C09}" type="datetimeFigureOut">
               <a:rPr lang="en-US"/>
-              <a:t>10/16/2023</a:t>
+              <a:t>10/25/2023</a:t>
             </a:fld>
             <a:endParaRPr lang="en-US"/>
           </a:p>
@@ -679,7 +679,7 @@
           <a:p>
             <a:fld id="{1D8BD707-D9CF-40AE-B4C6-C98DA3205C09}" type="datetimeFigureOut">
               <a:rPr lang="en-US"/>
-              <a:t>10/16/2023</a:t>
+              <a:t>10/25/2023</a:t>
             </a:fld>
             <a:endParaRPr lang="en-US"/>
           </a:p>
@@ -827,7 +827,7 @@
           <a:p>
             <a:fld id="{1D8BD707-D9CF-40AE-B4C6-C98DA3205C09}" type="datetimeFigureOut">
               <a:rPr lang="en-US"/>
-              <a:t>10/16/2023</a:t>
+              <a:t>10/25/2023</a:t>
             </a:fld>
             <a:endParaRPr lang="en-US"/>
           </a:p>
@@ -946,7 +946,7 @@
           <a:p>
             <a:fld id="{1D8BD707-D9CF-40AE-B4C6-C98DA3205C09}" type="datetimeFigureOut">
               <a:rPr lang="en-US"/>
-              <a:t>10/16/2023</a:t>
+              <a:t>10/25/2023</a:t>
             </a:fld>
             <a:endParaRPr lang="en-US"/>
           </a:p>
@@ -1171,7 +1171,7 @@
           <a:p>
             <a:fld id="{1D8BD707-D9CF-40AE-B4C6-C98DA3205C09}" type="datetimeFigureOut">
               <a:rPr lang="en-US"/>
-              <a:t>10/16/2023</a:t>
+              <a:t>10/25/2023</a:t>
             </a:fld>
             <a:endParaRPr lang="en-US"/>
           </a:p>
@@ -1469,7 +1469,7 @@
         <p:spPr>
           <a:xfrm>
             <a:off x="2414904" y="2549423"/>
-            <a:ext cx="7352665" cy="2397125"/>
+            <a:ext cx="7352665" cy="3549433"/>
           </a:xfrm>
           <a:prstGeom prst="rect">
             <a:avLst/>
@@ -1508,36 +1508,86 @@
                 <a:latin typeface="Calibri"/>
                 <a:cs typeface="Calibri"/>
               </a:rPr>
-              <a:t>By</a:t>
-            </a:r>
-            <a:endParaRPr sz="2750">
+              <a:t>B</a:t>
+            </a:r>
+            <a:r>
+              <a:rPr lang="en-US" sz="2750" spc="5" dirty="0">
+                <a:latin typeface="Calibri"/>
+                <a:cs typeface="Calibri"/>
+              </a:rPr>
+              <a:t>y</a:t>
+            </a:r>
+          </a:p>
+          <a:p>
+            <a:pPr marL="20955" algn="ctr">
+              <a:lnSpc>
+                <a:spcPct val="100000"/>
+              </a:lnSpc>
+              <a:spcBef>
+                <a:spcPts val="1045"/>
+              </a:spcBef>
+            </a:pPr>
+            <a:r>
+              <a:rPr lang="en-US" sz="2750" spc="5" dirty="0">
+                <a:latin typeface="Calibri"/>
+                <a:cs typeface="Calibri"/>
+              </a:rPr>
+              <a:t>KAVI BHARATH T</a:t>
+            </a:r>
+          </a:p>
+          <a:p>
+            <a:pPr marL="20955" algn="ctr">
+              <a:lnSpc>
+                <a:spcPct val="100000"/>
+              </a:lnSpc>
+              <a:spcBef>
+                <a:spcPts val="1045"/>
+              </a:spcBef>
+            </a:pPr>
+            <a:r>
+              <a:rPr lang="en-US" sz="2750" spc="5" dirty="0">
+                <a:latin typeface="Calibri"/>
+                <a:cs typeface="Calibri"/>
+                <a:hlinkClick r:id="rId2"/>
+              </a:rPr>
+              <a:t>kavibharath06112002@gmail.com</a:t>
+            </a:r>
+            <a:endParaRPr lang="en-US" sz="2750" spc="5" dirty="0">
               <a:latin typeface="Calibri"/>
               <a:cs typeface="Calibri"/>
             </a:endParaRPr>
           </a:p>
           <a:p>
-            <a:pPr marL="12065" algn="ctr">
+            <a:pPr marL="20955" algn="ctr">
               <a:lnSpc>
                 <a:spcPct val="100000"/>
               </a:lnSpc>
               <a:spcBef>
-                <a:spcPts val="805"/>
+                <a:spcPts val="1045"/>
               </a:spcBef>
             </a:pPr>
             <a:r>
-              <a:rPr sz="2400" u="heavy" spc="-35" dirty="0">
-                <a:uFill>
-                  <a:solidFill>
-                    <a:srgbClr val="000000"/>
-                  </a:solidFill>
-                </a:uFill>
-                <a:latin typeface="Calibri"/>
-                <a:cs typeface="Calibri"/>
-                <a:hlinkClick r:id="rId2"/>
-              </a:rPr>
-              <a:t>V.Gokul​,ecegokul2002@gmail.com</a:t>
-            </a:r>
-            <a:endParaRPr sz="2400">
+              <a:rPr lang="en-US" sz="2750" spc="5">
+                <a:latin typeface="Calibri"/>
+                <a:cs typeface="Calibri"/>
+              </a:rPr>
+              <a:t>auttrtkvl004</a:t>
+            </a:r>
+            <a:r>
+              <a:rPr lang="en-US" sz="2750" spc="5" dirty="0">
+                <a:latin typeface="Calibri"/>
+                <a:cs typeface="Calibri"/>
+              </a:rPr>
+              <a:t>(</a:t>
+            </a:r>
+            <a:r>
+              <a:rPr lang="en-US" sz="2750" spc="5">
+                <a:latin typeface="Calibri"/>
+                <a:cs typeface="Calibri"/>
+              </a:rPr>
+              <a:t>transfer student)</a:t>
+            </a:r>
+            <a:endParaRPr sz="2400" dirty="0">
               <a:latin typeface="Calibri"/>
               <a:cs typeface="Calibri"/>
             </a:endParaRPr>
@@ -1551,7 +1601,7 @@
                 <a:spcPts val="15"/>
               </a:spcBef>
             </a:pPr>
-            <a:endParaRPr sz="3000">
+            <a:endParaRPr sz="3000" dirty="0">
               <a:latin typeface="Calibri"/>
               <a:cs typeface="Calibri"/>
             </a:endParaRPr>
@@ -1712,7 +1762,7 @@
               </a:rPr>
               <a:t>Coimbatore​</a:t>
             </a:r>
-            <a:endParaRPr sz="2400">
+            <a:endParaRPr sz="2400" dirty="0">
               <a:latin typeface="Calibri"/>
               <a:cs typeface="Calibri"/>
             </a:endParaRPr>
